--- a/Game Genres.pptx
+++ b/Game Genres.pptx
@@ -13,6 +13,8 @@
     <p:sldId id="260" r:id="rId7"/>
     <p:sldId id="264" r:id="rId8"/>
     <p:sldId id="266" r:id="rId9"/>
+    <p:sldId id="269" r:id="rId10"/>
+    <p:sldId id="270" r:id="rId11"/>
   </p:sldIdLst>
   <p:sldSz cx="12192000" cy="6858000"/>
   <p:notesSz cx="6858000" cy="9144000"/>
@@ -3656,7 +3658,7 @@
                   <a:schemeClr val="tx2"/>
                 </a:solidFill>
               </a:rPr>
-              <a:t>장르 출시 제안</a:t>
+              <a:t>장르 설계 제안</a:t>
             </a:r>
             <a:endParaRPr lang="en-US" altLang="ko-KR" dirty="0">
               <a:solidFill>
@@ -3678,6 +3680,722 @@
     <p:extLst>
       <p:ext uri="{BB962C8B-B14F-4D97-AF65-F5344CB8AC3E}">
         <p14:creationId xmlns:p14="http://schemas.microsoft.com/office/powerpoint/2010/main" val="1444026315"/>
+      </p:ext>
+    </p:extLst>
+  </p:cSld>
+  <p:clrMapOvr>
+    <a:masterClrMapping/>
+  </p:clrMapOvr>
+</p:sld>
+</file>
+
+<file path=ppt/slides/slide10.xml><?xml version="1.0" encoding="utf-8"?>
+<p:sld xmlns:a="http://schemas.openxmlformats.org/drawingml/2006/main" xmlns:r="http://schemas.openxmlformats.org/officeDocument/2006/relationships" xmlns:p="http://schemas.openxmlformats.org/presentationml/2006/main">
+  <p:cSld>
+    <p:spTree>
+      <p:nvGrpSpPr>
+        <p:cNvPr id="1" name=""/>
+        <p:cNvGrpSpPr/>
+        <p:nvPr/>
+      </p:nvGrpSpPr>
+      <p:grpSpPr>
+        <a:xfrm>
+          <a:off x="0" y="0"/>
+          <a:ext cx="0" cy="0"/>
+          <a:chOff x="0" y="0"/>
+          <a:chExt cx="0" cy="0"/>
+        </a:xfrm>
+      </p:grpSpPr>
+      <p:sp>
+        <p:nvSpPr>
+          <p:cNvPr id="2" name="제목 1">
+            <a:extLst>
+              <a:ext uri="{FF2B5EF4-FFF2-40B4-BE49-F238E27FC236}">
+                <a16:creationId xmlns:a16="http://schemas.microsoft.com/office/drawing/2014/main" id="{A3796ECF-41FC-B640-9B06-5DCD8C28628B}"/>
+              </a:ext>
+            </a:extLst>
+          </p:cNvPr>
+          <p:cNvSpPr>
+            <a:spLocks noGrp="1"/>
+          </p:cNvSpPr>
+          <p:nvPr>
+            <p:ph type="title"/>
+          </p:nvPr>
+        </p:nvSpPr>
+        <p:spPr/>
+        <p:txBody>
+          <a:bodyPr/>
+          <a:lstStyle/>
+          <a:p>
+            <a:pPr latinLnBrk="0"/>
+            <a:r>
+              <a:rPr lang="en-US" altLang="ko-KR" dirty="0">
+                <a:solidFill>
+                  <a:schemeClr val="tx2"/>
+                </a:solidFill>
+              </a:rPr>
+              <a:t>Tom Clancy’s The Division </a:t>
+            </a:r>
+            <a:r>
+              <a:rPr lang="ko-KR" altLang="en-US" dirty="0">
+                <a:solidFill>
+                  <a:schemeClr val="tx2"/>
+                </a:solidFill>
+              </a:rPr>
+              <a:t>판매가 가장 성공적이며</a:t>
+            </a:r>
+            <a:r>
+              <a:rPr lang="en-US" altLang="ko-KR" dirty="0">
+                <a:solidFill>
+                  <a:schemeClr val="tx2"/>
+                </a:solidFill>
+              </a:rPr>
+              <a:t>, PS4 </a:t>
+            </a:r>
+            <a:r>
+              <a:rPr lang="ko-KR" altLang="en-US" dirty="0">
+                <a:solidFill>
+                  <a:schemeClr val="tx2"/>
+                </a:solidFill>
+              </a:rPr>
+              <a:t>를 통한 출고가 대부분</a:t>
+            </a:r>
+            <a:endParaRPr lang="ko-KR" altLang="en-US" dirty="0"/>
+          </a:p>
+        </p:txBody>
+      </p:sp>
+      <p:sp>
+        <p:nvSpPr>
+          <p:cNvPr id="3" name="내용 개체 틀 2">
+            <a:extLst>
+              <a:ext uri="{FF2B5EF4-FFF2-40B4-BE49-F238E27FC236}">
+                <a16:creationId xmlns:a16="http://schemas.microsoft.com/office/drawing/2014/main" id="{990C85AF-BCF4-080D-161F-F29DDCB7E530}"/>
+              </a:ext>
+            </a:extLst>
+          </p:cNvPr>
+          <p:cNvSpPr>
+            <a:spLocks noGrp="1"/>
+          </p:cNvSpPr>
+          <p:nvPr>
+            <p:ph idx="1"/>
+          </p:nvPr>
+        </p:nvSpPr>
+        <p:spPr/>
+        <p:txBody>
+          <a:bodyPr/>
+          <a:lstStyle/>
+          <a:p>
+            <a:endParaRPr lang="ko-KR" altLang="en-US"/>
+          </a:p>
+        </p:txBody>
+      </p:sp>
+      <p:pic>
+        <p:nvPicPr>
+          <p:cNvPr id="5" name="그림 4">
+            <a:extLst>
+              <a:ext uri="{FF2B5EF4-FFF2-40B4-BE49-F238E27FC236}">
+                <a16:creationId xmlns:a16="http://schemas.microsoft.com/office/drawing/2014/main" id="{F034DB6A-4913-DBDC-FE37-3E85F665BD82}"/>
+              </a:ext>
+            </a:extLst>
+          </p:cNvPr>
+          <p:cNvPicPr>
+            <a:picLocks noChangeAspect="1"/>
+          </p:cNvPicPr>
+          <p:nvPr/>
+        </p:nvPicPr>
+        <p:blipFill>
+          <a:blip r:embed="rId2"/>
+          <a:stretch>
+            <a:fillRect/>
+          </a:stretch>
+        </p:blipFill>
+        <p:spPr>
+          <a:xfrm>
+            <a:off x="1058411" y="1961427"/>
+            <a:ext cx="10075178" cy="3482111"/>
+          </a:xfrm>
+          <a:prstGeom prst="rect">
+            <a:avLst/>
+          </a:prstGeom>
+        </p:spPr>
+      </p:pic>
+      <p:sp>
+        <p:nvSpPr>
+          <p:cNvPr id="6" name="직사각형 5">
+            <a:extLst>
+              <a:ext uri="{FF2B5EF4-FFF2-40B4-BE49-F238E27FC236}">
+                <a16:creationId xmlns:a16="http://schemas.microsoft.com/office/drawing/2014/main" id="{217A6DBA-4E98-740D-DA42-021DC4A5517B}"/>
+              </a:ext>
+            </a:extLst>
+          </p:cNvPr>
+          <p:cNvSpPr/>
+          <p:nvPr/>
+        </p:nvSpPr>
+        <p:spPr>
+          <a:xfrm>
+            <a:off x="75502" y="83890"/>
+            <a:ext cx="2827090" cy="419449"/>
+          </a:xfrm>
+          <a:prstGeom prst="rect">
+            <a:avLst/>
+          </a:prstGeom>
+          <a:noFill/>
+          <a:ln>
+            <a:noFill/>
+          </a:ln>
+        </p:spPr>
+        <p:style>
+          <a:lnRef idx="2">
+            <a:schemeClr val="accent1">
+              <a:shade val="50000"/>
+            </a:schemeClr>
+          </a:lnRef>
+          <a:fillRef idx="1">
+            <a:schemeClr val="accent1"/>
+          </a:fillRef>
+          <a:effectRef idx="0">
+            <a:schemeClr val="accent1"/>
+          </a:effectRef>
+          <a:fontRef idx="minor">
+            <a:schemeClr val="lt1"/>
+          </a:fontRef>
+        </p:style>
+        <p:txBody>
+          <a:bodyPr rtlCol="0" anchor="ctr"/>
+          <a:lstStyle/>
+          <a:p>
+            <a:r>
+              <a:rPr lang="en-US" altLang="ko-KR" dirty="0">
+                <a:solidFill>
+                  <a:schemeClr val="tx2"/>
+                </a:solidFill>
+              </a:rPr>
+              <a:t>3. 2016 Shooter </a:t>
+            </a:r>
+            <a:r>
+              <a:rPr lang="ko-KR" altLang="en-US" dirty="0">
+                <a:solidFill>
+                  <a:schemeClr val="tx2"/>
+                </a:solidFill>
+              </a:rPr>
+              <a:t>게임</a:t>
+            </a:r>
+          </a:p>
+        </p:txBody>
+      </p:sp>
+      <p:pic>
+        <p:nvPicPr>
+          <p:cNvPr id="8" name="Picture 2" descr="Tom Clancy's The Division | Ubisoft (KR)">
+            <a:extLst>
+              <a:ext uri="{FF2B5EF4-FFF2-40B4-BE49-F238E27FC236}">
+                <a16:creationId xmlns:a16="http://schemas.microsoft.com/office/drawing/2014/main" id="{B57719CE-83EA-6758-CD53-4FF0410C66D5}"/>
+              </a:ext>
+            </a:extLst>
+          </p:cNvPr>
+          <p:cNvPicPr>
+            <a:picLocks noChangeAspect="1" noChangeArrowheads="1"/>
+          </p:cNvPicPr>
+          <p:nvPr/>
+        </p:nvPicPr>
+        <p:blipFill>
+          <a:blip r:embed="rId3">
+            <a:extLst>
+              <a:ext uri="{28A0092B-C50C-407E-A947-70E740481C1C}">
+                <a14:useLocalDpi xmlns:a14="http://schemas.microsoft.com/office/drawing/2010/main" val="0"/>
+              </a:ext>
+            </a:extLst>
+          </a:blip>
+          <a:srcRect/>
+          <a:stretch>
+            <a:fillRect/>
+          </a:stretch>
+        </p:blipFill>
+        <p:spPr bwMode="auto">
+          <a:xfrm>
+            <a:off x="2134287" y="5443041"/>
+            <a:ext cx="886009" cy="496165"/>
+          </a:xfrm>
+          <a:prstGeom prst="rect">
+            <a:avLst/>
+          </a:prstGeom>
+          <a:noFill/>
+          <a:extLst>
+            <a:ext uri="{909E8E84-426E-40DD-AFC4-6F175D3DCCD1}">
+              <a14:hiddenFill xmlns:a14="http://schemas.microsoft.com/office/drawing/2010/main">
+                <a:solidFill>
+                  <a:srgbClr val="FFFFFF"/>
+                </a:solidFill>
+              </a14:hiddenFill>
+            </a:ext>
+          </a:extLst>
+        </p:spPr>
+      </p:pic>
+      <p:pic>
+        <p:nvPicPr>
+          <p:cNvPr id="9" name="Picture 4" descr="UNCHARTED 4: A Thief's End &amp; UNCHARTED: The Lost Legacy Digital Bundle">
+            <a:extLst>
+              <a:ext uri="{FF2B5EF4-FFF2-40B4-BE49-F238E27FC236}">
+                <a16:creationId xmlns:a16="http://schemas.microsoft.com/office/drawing/2014/main" id="{80C073C8-3F12-8937-8DBD-D81CEDE33D01}"/>
+              </a:ext>
+            </a:extLst>
+          </p:cNvPr>
+          <p:cNvPicPr>
+            <a:picLocks noChangeAspect="1" noChangeArrowheads="1"/>
+          </p:cNvPicPr>
+          <p:nvPr/>
+        </p:nvPicPr>
+        <p:blipFill>
+          <a:blip r:embed="rId4">
+            <a:extLst>
+              <a:ext uri="{28A0092B-C50C-407E-A947-70E740481C1C}">
+                <a14:useLocalDpi xmlns:a14="http://schemas.microsoft.com/office/drawing/2010/main" val="0"/>
+              </a:ext>
+            </a:extLst>
+          </a:blip>
+          <a:srcRect/>
+          <a:stretch>
+            <a:fillRect/>
+          </a:stretch>
+        </p:blipFill>
+        <p:spPr bwMode="auto">
+          <a:xfrm>
+            <a:off x="1401060" y="5443041"/>
+            <a:ext cx="513016" cy="513016"/>
+          </a:xfrm>
+          <a:prstGeom prst="rect">
+            <a:avLst/>
+          </a:prstGeom>
+          <a:noFill/>
+          <a:extLst>
+            <a:ext uri="{909E8E84-426E-40DD-AFC4-6F175D3DCCD1}">
+              <a14:hiddenFill xmlns:a14="http://schemas.microsoft.com/office/drawing/2010/main">
+                <a:solidFill>
+                  <a:srgbClr val="FFFFFF"/>
+                </a:solidFill>
+              </a14:hiddenFill>
+            </a:ext>
+          </a:extLst>
+        </p:spPr>
+      </p:pic>
+      <p:pic>
+        <p:nvPicPr>
+          <p:cNvPr id="10" name="Picture 6" descr="Overwatch 2 going free-to-play was a necessity for success - Jaxon">
+            <a:extLst>
+              <a:ext uri="{FF2B5EF4-FFF2-40B4-BE49-F238E27FC236}">
+                <a16:creationId xmlns:a16="http://schemas.microsoft.com/office/drawing/2014/main" id="{EE4C3A88-6D94-7500-F663-0AEAD446A53C}"/>
+              </a:ext>
+            </a:extLst>
+          </p:cNvPr>
+          <p:cNvPicPr>
+            <a:picLocks noChangeAspect="1" noChangeArrowheads="1"/>
+          </p:cNvPicPr>
+          <p:nvPr/>
+        </p:nvPicPr>
+        <p:blipFill>
+          <a:blip r:embed="rId5">
+            <a:extLst>
+              <a:ext uri="{28A0092B-C50C-407E-A947-70E740481C1C}">
+                <a14:useLocalDpi xmlns:a14="http://schemas.microsoft.com/office/drawing/2010/main" val="0"/>
+              </a:ext>
+            </a:extLst>
+          </a:blip>
+          <a:srcRect/>
+          <a:stretch>
+            <a:fillRect/>
+          </a:stretch>
+        </p:blipFill>
+        <p:spPr bwMode="auto">
+          <a:xfrm>
+            <a:off x="3196413" y="5443041"/>
+            <a:ext cx="938420" cy="525515"/>
+          </a:xfrm>
+          <a:prstGeom prst="rect">
+            <a:avLst/>
+          </a:prstGeom>
+          <a:noFill/>
+          <a:extLst>
+            <a:ext uri="{909E8E84-426E-40DD-AFC4-6F175D3DCCD1}">
+              <a14:hiddenFill xmlns:a14="http://schemas.microsoft.com/office/drawing/2010/main">
+                <a:solidFill>
+                  <a:srgbClr val="FFFFFF"/>
+                </a:solidFill>
+              </a14:hiddenFill>
+            </a:ext>
+          </a:extLst>
+        </p:spPr>
+      </p:pic>
+      <p:pic>
+        <p:nvPicPr>
+          <p:cNvPr id="11" name="Picture 8" descr="Steam의 DOOM">
+            <a:extLst>
+              <a:ext uri="{FF2B5EF4-FFF2-40B4-BE49-F238E27FC236}">
+                <a16:creationId xmlns:a16="http://schemas.microsoft.com/office/drawing/2014/main" id="{1057A419-D02F-A156-2E4D-488E55244453}"/>
+              </a:ext>
+            </a:extLst>
+          </p:cNvPr>
+          <p:cNvPicPr>
+            <a:picLocks noChangeAspect="1" noChangeArrowheads="1"/>
+          </p:cNvPicPr>
+          <p:nvPr/>
+        </p:nvPicPr>
+        <p:blipFill>
+          <a:blip r:embed="rId6">
+            <a:extLst>
+              <a:ext uri="{28A0092B-C50C-407E-A947-70E740481C1C}">
+                <a14:useLocalDpi xmlns:a14="http://schemas.microsoft.com/office/drawing/2010/main" val="0"/>
+              </a:ext>
+            </a:extLst>
+          </a:blip>
+          <a:srcRect/>
+          <a:stretch>
+            <a:fillRect/>
+          </a:stretch>
+        </p:blipFill>
+        <p:spPr bwMode="auto">
+          <a:xfrm>
+            <a:off x="4390236" y="5443041"/>
+            <a:ext cx="893801" cy="511603"/>
+          </a:xfrm>
+          <a:prstGeom prst="rect">
+            <a:avLst/>
+          </a:prstGeom>
+          <a:noFill/>
+          <a:extLst>
+            <a:ext uri="{909E8E84-426E-40DD-AFC4-6F175D3DCCD1}">
+              <a14:hiddenFill xmlns:a14="http://schemas.microsoft.com/office/drawing/2010/main">
+                <a:solidFill>
+                  <a:srgbClr val="FFFFFF"/>
+                </a:solidFill>
+              </a14:hiddenFill>
+            </a:ext>
+          </a:extLst>
+        </p:spPr>
+      </p:pic>
+      <p:pic>
+        <p:nvPicPr>
+          <p:cNvPr id="12" name="Picture 10" descr="Steam의 Plants vs. Zombies™ Garden Warfare 2: Deluxe Edition">
+            <a:extLst>
+              <a:ext uri="{FF2B5EF4-FFF2-40B4-BE49-F238E27FC236}">
+                <a16:creationId xmlns:a16="http://schemas.microsoft.com/office/drawing/2014/main" id="{7F089930-8AF7-081E-73D6-8E12D035761C}"/>
+              </a:ext>
+            </a:extLst>
+          </p:cNvPr>
+          <p:cNvPicPr>
+            <a:picLocks noChangeAspect="1" noChangeArrowheads="1"/>
+          </p:cNvPicPr>
+          <p:nvPr/>
+        </p:nvPicPr>
+        <p:blipFill>
+          <a:blip r:embed="rId7">
+            <a:extLst>
+              <a:ext uri="{28A0092B-C50C-407E-A947-70E740481C1C}">
+                <a14:useLocalDpi xmlns:a14="http://schemas.microsoft.com/office/drawing/2010/main" val="0"/>
+              </a:ext>
+            </a:extLst>
+          </a:blip>
+          <a:srcRect/>
+          <a:stretch>
+            <a:fillRect/>
+          </a:stretch>
+        </p:blipFill>
+        <p:spPr bwMode="auto">
+          <a:xfrm>
+            <a:off x="5539440" y="5443041"/>
+            <a:ext cx="883755" cy="505853"/>
+          </a:xfrm>
+          <a:prstGeom prst="rect">
+            <a:avLst/>
+          </a:prstGeom>
+          <a:noFill/>
+          <a:extLst>
+            <a:ext uri="{909E8E84-426E-40DD-AFC4-6F175D3DCCD1}">
+              <a14:hiddenFill xmlns:a14="http://schemas.microsoft.com/office/drawing/2010/main">
+                <a:solidFill>
+                  <a:srgbClr val="FFFFFF"/>
+                </a:solidFill>
+              </a14:hiddenFill>
+            </a:ext>
+          </a:extLst>
+        </p:spPr>
+      </p:pic>
+      <p:pic>
+        <p:nvPicPr>
+          <p:cNvPr id="13" name="Picture 12" descr="Save 80% on Homefront®: The Revolution on Steam">
+            <a:extLst>
+              <a:ext uri="{FF2B5EF4-FFF2-40B4-BE49-F238E27FC236}">
+                <a16:creationId xmlns:a16="http://schemas.microsoft.com/office/drawing/2014/main" id="{128B8BB0-7002-82EE-07C6-9A59A82BEFC5}"/>
+              </a:ext>
+            </a:extLst>
+          </p:cNvPr>
+          <p:cNvPicPr>
+            <a:picLocks noChangeAspect="1" noChangeArrowheads="1"/>
+          </p:cNvPicPr>
+          <p:nvPr/>
+        </p:nvPicPr>
+        <p:blipFill>
+          <a:blip r:embed="rId8">
+            <a:extLst>
+              <a:ext uri="{28A0092B-C50C-407E-A947-70E740481C1C}">
+                <a14:useLocalDpi xmlns:a14="http://schemas.microsoft.com/office/drawing/2010/main" val="0"/>
+              </a:ext>
+            </a:extLst>
+          </a:blip>
+          <a:srcRect/>
+          <a:stretch>
+            <a:fillRect/>
+          </a:stretch>
+        </p:blipFill>
+        <p:spPr bwMode="auto">
+          <a:xfrm>
+            <a:off x="6678598" y="5443041"/>
+            <a:ext cx="798867" cy="457264"/>
+          </a:xfrm>
+          <a:prstGeom prst="rect">
+            <a:avLst/>
+          </a:prstGeom>
+          <a:noFill/>
+          <a:extLst>
+            <a:ext uri="{909E8E84-426E-40DD-AFC4-6F175D3DCCD1}">
+              <a14:hiddenFill xmlns:a14="http://schemas.microsoft.com/office/drawing/2010/main">
+                <a:solidFill>
+                  <a:srgbClr val="FFFFFF"/>
+                </a:solidFill>
+              </a14:hiddenFill>
+            </a:ext>
+          </a:extLst>
+        </p:spPr>
+      </p:pic>
+      <p:pic>
+        <p:nvPicPr>
+          <p:cNvPr id="14" name="Picture 14" descr="Get the 'BioShock: The Collection' for free on PC • AIPT">
+            <a:extLst>
+              <a:ext uri="{FF2B5EF4-FFF2-40B4-BE49-F238E27FC236}">
+                <a16:creationId xmlns:a16="http://schemas.microsoft.com/office/drawing/2014/main" id="{3688554C-65C2-8561-652D-05BC4304E86B}"/>
+              </a:ext>
+            </a:extLst>
+          </p:cNvPr>
+          <p:cNvPicPr>
+            <a:picLocks noChangeAspect="1" noChangeArrowheads="1"/>
+          </p:cNvPicPr>
+          <p:nvPr/>
+        </p:nvPicPr>
+        <p:blipFill>
+          <a:blip r:embed="rId9">
+            <a:extLst>
+              <a:ext uri="{28A0092B-C50C-407E-A947-70E740481C1C}">
+                <a14:useLocalDpi xmlns:a14="http://schemas.microsoft.com/office/drawing/2010/main" val="0"/>
+              </a:ext>
+            </a:extLst>
+          </a:blip>
+          <a:srcRect/>
+          <a:stretch>
+            <a:fillRect/>
+          </a:stretch>
+        </p:blipFill>
+        <p:spPr bwMode="auto">
+          <a:xfrm>
+            <a:off x="7732868" y="5443041"/>
+            <a:ext cx="903309" cy="505853"/>
+          </a:xfrm>
+          <a:prstGeom prst="rect">
+            <a:avLst/>
+          </a:prstGeom>
+          <a:noFill/>
+          <a:extLst>
+            <a:ext uri="{909E8E84-426E-40DD-AFC4-6F175D3DCCD1}">
+              <a14:hiddenFill xmlns:a14="http://schemas.microsoft.com/office/drawing/2010/main">
+                <a:solidFill>
+                  <a:srgbClr val="FFFFFF"/>
+                </a:solidFill>
+              </a14:hiddenFill>
+            </a:ext>
+          </a:extLst>
+        </p:spPr>
+      </p:pic>
+      <p:pic>
+        <p:nvPicPr>
+          <p:cNvPr id="15" name="Picture 16" descr="Star Fox Zero | Wii U games | Games | Nintendo">
+            <a:extLst>
+              <a:ext uri="{FF2B5EF4-FFF2-40B4-BE49-F238E27FC236}">
+                <a16:creationId xmlns:a16="http://schemas.microsoft.com/office/drawing/2014/main" id="{0ED3AB66-4B3B-4F2D-3BA0-88A7404EEB32}"/>
+              </a:ext>
+            </a:extLst>
+          </p:cNvPr>
+          <p:cNvPicPr>
+            <a:picLocks noChangeAspect="1" noChangeArrowheads="1"/>
+          </p:cNvPicPr>
+          <p:nvPr/>
+        </p:nvPicPr>
+        <p:blipFill>
+          <a:blip r:embed="rId10">
+            <a:extLst>
+              <a:ext uri="{28A0092B-C50C-407E-A947-70E740481C1C}">
+                <a14:useLocalDpi xmlns:a14="http://schemas.microsoft.com/office/drawing/2010/main" val="0"/>
+              </a:ext>
+            </a:extLst>
+          </a:blip>
+          <a:srcRect/>
+          <a:stretch>
+            <a:fillRect/>
+          </a:stretch>
+        </p:blipFill>
+        <p:spPr bwMode="auto">
+          <a:xfrm>
+            <a:off x="8891580" y="5443041"/>
+            <a:ext cx="1011706" cy="505853"/>
+          </a:xfrm>
+          <a:prstGeom prst="rect">
+            <a:avLst/>
+          </a:prstGeom>
+          <a:noFill/>
+          <a:extLst>
+            <a:ext uri="{909E8E84-426E-40DD-AFC4-6F175D3DCCD1}">
+              <a14:hiddenFill xmlns:a14="http://schemas.microsoft.com/office/drawing/2010/main">
+                <a:solidFill>
+                  <a:srgbClr val="FFFFFF"/>
+                </a:solidFill>
+              </a14:hiddenFill>
+            </a:ext>
+          </a:extLst>
+        </p:spPr>
+      </p:pic>
+      <p:pic>
+        <p:nvPicPr>
+          <p:cNvPr id="16" name="Picture 18" descr="Steam의 Battleborn">
+            <a:extLst>
+              <a:ext uri="{FF2B5EF4-FFF2-40B4-BE49-F238E27FC236}">
+                <a16:creationId xmlns:a16="http://schemas.microsoft.com/office/drawing/2014/main" id="{F7B3F8C4-8A98-40A2-392B-6D34D4C06C0C}"/>
+              </a:ext>
+            </a:extLst>
+          </p:cNvPr>
+          <p:cNvPicPr>
+            <a:picLocks noChangeAspect="1" noChangeArrowheads="1"/>
+          </p:cNvPicPr>
+          <p:nvPr/>
+        </p:nvPicPr>
+        <p:blipFill>
+          <a:blip r:embed="rId11">
+            <a:extLst>
+              <a:ext uri="{28A0092B-C50C-407E-A947-70E740481C1C}">
+                <a14:useLocalDpi xmlns:a14="http://schemas.microsoft.com/office/drawing/2010/main" val="0"/>
+              </a:ext>
+            </a:extLst>
+          </a:blip>
+          <a:srcRect/>
+          <a:stretch>
+            <a:fillRect/>
+          </a:stretch>
+        </p:blipFill>
+        <p:spPr bwMode="auto">
+          <a:xfrm>
+            <a:off x="10158686" y="5443041"/>
+            <a:ext cx="897861" cy="513927"/>
+          </a:xfrm>
+          <a:prstGeom prst="rect">
+            <a:avLst/>
+          </a:prstGeom>
+          <a:noFill/>
+          <a:extLst>
+            <a:ext uri="{909E8E84-426E-40DD-AFC4-6F175D3DCCD1}">
+              <a14:hiddenFill xmlns:a14="http://schemas.microsoft.com/office/drawing/2010/main">
+                <a:solidFill>
+                  <a:srgbClr val="FFFFFF"/>
+                </a:solidFill>
+              </a14:hiddenFill>
+            </a:ext>
+          </a:extLst>
+        </p:spPr>
+      </p:pic>
+      <p:pic>
+        <p:nvPicPr>
+          <p:cNvPr id="18" name="그림 17">
+            <a:extLst>
+              <a:ext uri="{FF2B5EF4-FFF2-40B4-BE49-F238E27FC236}">
+                <a16:creationId xmlns:a16="http://schemas.microsoft.com/office/drawing/2014/main" id="{39C555E3-C1EF-D612-C516-E8E14766B53C}"/>
+              </a:ext>
+            </a:extLst>
+          </p:cNvPr>
+          <p:cNvPicPr>
+            <a:picLocks noChangeAspect="1"/>
+          </p:cNvPicPr>
+          <p:nvPr/>
+        </p:nvPicPr>
+        <p:blipFill>
+          <a:blip r:embed="rId12"/>
+          <a:stretch>
+            <a:fillRect/>
+          </a:stretch>
+        </p:blipFill>
+        <p:spPr>
+          <a:xfrm>
+            <a:off x="8178348" y="2187696"/>
+            <a:ext cx="2609513" cy="2482607"/>
+          </a:xfrm>
+          <a:prstGeom prst="rect">
+            <a:avLst/>
+          </a:prstGeom>
+        </p:spPr>
+      </p:pic>
+      <p:sp>
+        <p:nvSpPr>
+          <p:cNvPr id="19" name="직사각형 18">
+            <a:extLst>
+              <a:ext uri="{FF2B5EF4-FFF2-40B4-BE49-F238E27FC236}">
+                <a16:creationId xmlns:a16="http://schemas.microsoft.com/office/drawing/2014/main" id="{D3390E61-3666-89B5-FFD7-90BC05983AB3}"/>
+              </a:ext>
+            </a:extLst>
+          </p:cNvPr>
+          <p:cNvSpPr/>
+          <p:nvPr/>
+        </p:nvSpPr>
+        <p:spPr>
+          <a:xfrm>
+            <a:off x="8984609" y="2676088"/>
+            <a:ext cx="1677798" cy="201336"/>
+          </a:xfrm>
+          <a:prstGeom prst="rect">
+            <a:avLst/>
+          </a:prstGeom>
+          <a:solidFill>
+            <a:srgbClr val="FF0000">
+              <a:alpha val="20000"/>
+            </a:srgbClr>
+          </a:solidFill>
+          <a:ln>
+            <a:solidFill>
+              <a:srgbClr val="C00000"/>
+            </a:solidFill>
+          </a:ln>
+        </p:spPr>
+        <p:style>
+          <a:lnRef idx="2">
+            <a:schemeClr val="accent1">
+              <a:shade val="50000"/>
+            </a:schemeClr>
+          </a:lnRef>
+          <a:fillRef idx="1">
+            <a:schemeClr val="accent1"/>
+          </a:fillRef>
+          <a:effectRef idx="0">
+            <a:schemeClr val="accent1"/>
+          </a:effectRef>
+          <a:fontRef idx="minor">
+            <a:schemeClr val="lt1"/>
+          </a:fontRef>
+        </p:style>
+        <p:txBody>
+          <a:bodyPr rtlCol="0" anchor="ctr"/>
+          <a:lstStyle/>
+          <a:p>
+            <a:pPr algn="ctr"/>
+            <a:endParaRPr lang="ko-KR" altLang="en-US"/>
+          </a:p>
+        </p:txBody>
+      </p:sp>
+    </p:spTree>
+    <p:extLst>
+      <p:ext uri="{BB962C8B-B14F-4D97-AF65-F5344CB8AC3E}">
+        <p14:creationId xmlns:p14="http://schemas.microsoft.com/office/powerpoint/2010/main" val="3161750385"/>
       </p:ext>
     </p:extLst>
   </p:cSld>
@@ -3787,6 +4505,48 @@
                 </a:solidFill>
               </a:rPr>
               <a:t>지역별 게임 장르 선호</a:t>
+            </a:r>
+            <a:endParaRPr lang="en-US" altLang="ko-KR" dirty="0">
+              <a:solidFill>
+                <a:schemeClr val="tx2"/>
+              </a:solidFill>
+            </a:endParaRPr>
+          </a:p>
+          <a:p>
+            <a:pPr marL="457200" indent="-457200" algn="l">
+              <a:buAutoNum type="arabicPeriod"/>
+            </a:pPr>
+            <a:r>
+              <a:rPr lang="en-US" altLang="ko-KR" dirty="0">
+                <a:solidFill>
+                  <a:schemeClr val="tx2"/>
+                </a:solidFill>
+              </a:rPr>
+              <a:t>2016</a:t>
+            </a:r>
+            <a:r>
+              <a:rPr lang="ko-KR" altLang="en-US" dirty="0">
+                <a:solidFill>
+                  <a:schemeClr val="tx2"/>
+                </a:solidFill>
+              </a:rPr>
+              <a:t>년 </a:t>
+            </a:r>
+            <a:r>
+              <a:rPr lang="en-US" altLang="ko-KR" dirty="0">
+                <a:solidFill>
+                  <a:schemeClr val="tx2"/>
+                </a:solidFill>
+              </a:rPr>
+              <a:t>Shooter </a:t>
+            </a:r>
+            <a:r>
+              <a:rPr lang="ko-KR" altLang="en-US" dirty="0">
+                <a:solidFill>
+                  <a:schemeClr val="tx2"/>
+                </a:solidFill>
+              </a:rPr>
+              <a:t>게임</a:t>
             </a:r>
           </a:p>
           <a:p>
@@ -6992,7 +7752,7 @@
               <a:t>2015-2016</a:t>
             </a:r>
             <a:r>
-              <a:rPr lang="ko-KR" altLang="en-US">
+              <a:rPr lang="ko-KR" altLang="en-US" dirty="0">
                 <a:solidFill>
                   <a:schemeClr val="tx2"/>
                 </a:solidFill>
@@ -7005,18 +7765,10 @@
                   <a:schemeClr val="tx2"/>
                 </a:solidFill>
               </a:rPr>
-              <a:t> </a:t>
-            </a:r>
-            <a:r>
-              <a:rPr lang="en-US" altLang="ko-KR">
-                <a:solidFill>
-                  <a:schemeClr val="tx2"/>
-                </a:solidFill>
-              </a:rPr>
-              <a:t>4 </a:t>
-            </a:r>
-            <a:r>
-              <a:rPr lang="ko-KR" altLang="en-US">
+              <a:t> 4 </a:t>
+            </a:r>
+            <a:r>
+              <a:rPr lang="ko-KR" altLang="en-US" dirty="0" err="1">
                 <a:solidFill>
                   <a:schemeClr val="tx2"/>
                 </a:solidFill>
@@ -7190,7 +7942,7 @@
                 </a:solidFill>
                 <a:latin typeface="+mn-ea"/>
               </a:rPr>
-              <a:t>Shooter, Action</a:t>
+              <a:t>Shooter </a:t>
             </a:r>
             <a:r>
               <a:rPr lang="ko-KR" altLang="en-US" dirty="0">
@@ -7199,42 +7951,7 @@
                 </a:solidFill>
                 <a:latin typeface="+mn-ea"/>
               </a:rPr>
-              <a:t>이 </a:t>
-            </a:r>
-            <a:br>
-              <a:rPr lang="en-US" altLang="ko-KR" dirty="0">
-                <a:solidFill>
-                  <a:schemeClr val="tx2"/>
-                </a:solidFill>
-                <a:latin typeface="+mn-ea"/>
-              </a:rPr>
-            </a:br>
-            <a:r>
-              <a:rPr lang="en-US" altLang="ko-KR" dirty="0">
-                <a:solidFill>
-                  <a:schemeClr val="tx2"/>
-                </a:solidFill>
-                <a:latin typeface="+mn-ea"/>
-              </a:rPr>
-              <a:t>4 </a:t>
-            </a:r>
-            <a:r>
-              <a:rPr lang="ko-KR" altLang="en-US" dirty="0" err="1">
-                <a:solidFill>
-                  <a:schemeClr val="tx2"/>
-                </a:solidFill>
-                <a:latin typeface="+mn-ea"/>
-              </a:rPr>
-              <a:t>사분위</a:t>
-            </a:r>
-            <a:r>
-              <a:rPr lang="ko-KR" altLang="en-US" dirty="0">
-                <a:solidFill>
-                  <a:schemeClr val="tx2"/>
-                </a:solidFill>
-                <a:latin typeface="+mn-ea"/>
-              </a:rPr>
-              <a:t> 출고량의 절반 이상 점유</a:t>
+              <a:t>점유율 증가</a:t>
             </a:r>
             <a:endParaRPr lang="en-US" altLang="ko-KR" dirty="0">
               <a:solidFill>
@@ -7276,7 +7993,7 @@
                 </a:solidFill>
                 <a:latin typeface="+mn-ea"/>
               </a:rPr>
-              <a:t>Role-Playing, Action</a:t>
+              <a:t>Action</a:t>
             </a:r>
             <a:r>
               <a:rPr lang="ko-KR" altLang="en-US" dirty="0">
@@ -7285,42 +8002,7 @@
                 </a:solidFill>
                 <a:latin typeface="+mn-ea"/>
               </a:rPr>
-              <a:t> 장르가 </a:t>
-            </a:r>
-            <a:br>
-              <a:rPr lang="en-US" altLang="ko-KR" dirty="0">
-                <a:solidFill>
-                  <a:schemeClr val="tx2"/>
-                </a:solidFill>
-                <a:latin typeface="+mn-ea"/>
-              </a:rPr>
-            </a:br>
-            <a:r>
-              <a:rPr lang="en-US" altLang="ko-KR" dirty="0">
-                <a:solidFill>
-                  <a:schemeClr val="tx2"/>
-                </a:solidFill>
-                <a:latin typeface="+mn-ea"/>
-              </a:rPr>
-              <a:t>4 </a:t>
-            </a:r>
-            <a:r>
-              <a:rPr lang="ko-KR" altLang="en-US" dirty="0" err="1">
-                <a:solidFill>
-                  <a:schemeClr val="tx2"/>
-                </a:solidFill>
-                <a:latin typeface="+mn-ea"/>
-              </a:rPr>
-              <a:t>사분위</a:t>
-            </a:r>
-            <a:r>
-              <a:rPr lang="ko-KR" altLang="en-US" dirty="0">
-                <a:solidFill>
-                  <a:schemeClr val="tx2"/>
-                </a:solidFill>
-                <a:latin typeface="+mn-ea"/>
-              </a:rPr>
-              <a:t> 출고량의 절반 이상 점유</a:t>
+              <a:t> 점유율 증가</a:t>
             </a:r>
             <a:endParaRPr lang="en-US" altLang="ko-KR" dirty="0">
               <a:solidFill>
@@ -7578,7 +8260,7 @@
                 </a:solidFill>
                 <a:latin typeface="+mn-ea"/>
               </a:rPr>
-              <a:t> 출시</a:t>
+              <a:t> 설계</a:t>
             </a:r>
             <a:r>
               <a:rPr lang="en-US" altLang="ko-KR" sz="3200" i="1" dirty="0">
@@ -7852,8 +8534,8 @@
         </p:nvSpPr>
         <p:spPr>
           <a:xfrm>
-            <a:off x="100668" y="92279"/>
-            <a:ext cx="2801923" cy="411060"/>
+            <a:off x="75502" y="83890"/>
+            <a:ext cx="2827090" cy="419449"/>
           </a:xfrm>
           <a:prstGeom prst="rect">
             <a:avLst/>
@@ -7906,6 +8588,1028 @@
     <p:extLst>
       <p:ext uri="{BB962C8B-B14F-4D97-AF65-F5344CB8AC3E}">
         <p14:creationId xmlns:p14="http://schemas.microsoft.com/office/powerpoint/2010/main" val="55493551"/>
+      </p:ext>
+    </p:extLst>
+  </p:cSld>
+  <p:clrMapOvr>
+    <a:masterClrMapping/>
+  </p:clrMapOvr>
+</p:sld>
+</file>
+
+<file path=ppt/slides/slide9.xml><?xml version="1.0" encoding="utf-8"?>
+<p:sld xmlns:a="http://schemas.openxmlformats.org/drawingml/2006/main" xmlns:r="http://schemas.openxmlformats.org/officeDocument/2006/relationships" xmlns:p="http://schemas.openxmlformats.org/presentationml/2006/main">
+  <p:cSld>
+    <p:spTree>
+      <p:nvGrpSpPr>
+        <p:cNvPr id="1" name=""/>
+        <p:cNvGrpSpPr/>
+        <p:nvPr/>
+      </p:nvGrpSpPr>
+      <p:grpSpPr>
+        <a:xfrm>
+          <a:off x="0" y="0"/>
+          <a:ext cx="0" cy="0"/>
+          <a:chOff x="0" y="0"/>
+          <a:chExt cx="0" cy="0"/>
+        </a:xfrm>
+      </p:grpSpPr>
+      <p:sp>
+        <p:nvSpPr>
+          <p:cNvPr id="2" name="제목 1">
+            <a:extLst>
+              <a:ext uri="{FF2B5EF4-FFF2-40B4-BE49-F238E27FC236}">
+                <a16:creationId xmlns:a16="http://schemas.microsoft.com/office/drawing/2014/main" id="{6841989D-E5CD-D110-FDBF-31062EDE495F}"/>
+              </a:ext>
+            </a:extLst>
+          </p:cNvPr>
+          <p:cNvSpPr>
+            <a:spLocks noGrp="1"/>
+          </p:cNvSpPr>
+          <p:nvPr>
+            <p:ph type="title"/>
+          </p:nvPr>
+        </p:nvSpPr>
+        <p:spPr/>
+        <p:txBody>
+          <a:bodyPr/>
+          <a:lstStyle/>
+          <a:p>
+            <a:r>
+              <a:rPr lang="en-US" altLang="ko-KR" dirty="0">
+                <a:solidFill>
+                  <a:schemeClr val="tx2"/>
+                </a:solidFill>
+              </a:rPr>
+              <a:t>2016</a:t>
+            </a:r>
+            <a:r>
+              <a:rPr lang="ko-KR" altLang="en-US" dirty="0">
+                <a:solidFill>
+                  <a:schemeClr val="tx2"/>
+                </a:solidFill>
+              </a:rPr>
+              <a:t>년</a:t>
+            </a:r>
+            <a:r>
+              <a:rPr lang="en-US" altLang="ko-KR" dirty="0">
+                <a:solidFill>
+                  <a:schemeClr val="tx2"/>
+                </a:solidFill>
+              </a:rPr>
+              <a:t> </a:t>
+            </a:r>
+            <a:r>
+              <a:rPr lang="ko-KR" altLang="en-US" dirty="0">
+                <a:solidFill>
+                  <a:schemeClr val="tx2"/>
+                </a:solidFill>
+              </a:rPr>
+              <a:t>전반적으로 인기있는 장르</a:t>
+            </a:r>
+            <a:r>
+              <a:rPr lang="en-US" altLang="ko-KR" dirty="0">
+                <a:solidFill>
+                  <a:schemeClr val="tx2"/>
+                </a:solidFill>
+              </a:rPr>
+              <a:t>, Shooter</a:t>
+            </a:r>
+            <a:endParaRPr lang="ko-KR" altLang="en-US" dirty="0"/>
+          </a:p>
+        </p:txBody>
+      </p:sp>
+      <p:sp>
+        <p:nvSpPr>
+          <p:cNvPr id="3" name="내용 개체 틀 2">
+            <a:extLst>
+              <a:ext uri="{FF2B5EF4-FFF2-40B4-BE49-F238E27FC236}">
+                <a16:creationId xmlns:a16="http://schemas.microsoft.com/office/drawing/2014/main" id="{9573E88C-579D-94EF-705E-1D70B54B52E8}"/>
+              </a:ext>
+            </a:extLst>
+          </p:cNvPr>
+          <p:cNvSpPr>
+            <a:spLocks noGrp="1"/>
+          </p:cNvSpPr>
+          <p:nvPr>
+            <p:ph idx="1"/>
+          </p:nvPr>
+        </p:nvSpPr>
+        <p:spPr/>
+        <p:txBody>
+          <a:bodyPr/>
+          <a:lstStyle/>
+          <a:p>
+            <a:endParaRPr lang="ko-KR" altLang="en-US" dirty="0"/>
+          </a:p>
+        </p:txBody>
+      </p:sp>
+      <p:sp>
+        <p:nvSpPr>
+          <p:cNvPr id="6" name="직사각형 5">
+            <a:extLst>
+              <a:ext uri="{FF2B5EF4-FFF2-40B4-BE49-F238E27FC236}">
+                <a16:creationId xmlns:a16="http://schemas.microsoft.com/office/drawing/2014/main" id="{469FDA7A-6434-58F2-884D-D58AC350C9A3}"/>
+              </a:ext>
+            </a:extLst>
+          </p:cNvPr>
+          <p:cNvSpPr/>
+          <p:nvPr/>
+        </p:nvSpPr>
+        <p:spPr>
+          <a:xfrm>
+            <a:off x="75502" y="83890"/>
+            <a:ext cx="2827090" cy="419449"/>
+          </a:xfrm>
+          <a:prstGeom prst="rect">
+            <a:avLst/>
+          </a:prstGeom>
+          <a:noFill/>
+          <a:ln>
+            <a:noFill/>
+          </a:ln>
+        </p:spPr>
+        <p:style>
+          <a:lnRef idx="2">
+            <a:schemeClr val="accent1">
+              <a:shade val="50000"/>
+            </a:schemeClr>
+          </a:lnRef>
+          <a:fillRef idx="1">
+            <a:schemeClr val="accent1"/>
+          </a:fillRef>
+          <a:effectRef idx="0">
+            <a:schemeClr val="accent1"/>
+          </a:effectRef>
+          <a:fontRef idx="minor">
+            <a:schemeClr val="lt1"/>
+          </a:fontRef>
+        </p:style>
+        <p:txBody>
+          <a:bodyPr rtlCol="0" anchor="ctr"/>
+          <a:lstStyle/>
+          <a:p>
+            <a:r>
+              <a:rPr lang="en-US" altLang="ko-KR" dirty="0">
+                <a:solidFill>
+                  <a:schemeClr val="tx2"/>
+                </a:solidFill>
+              </a:rPr>
+              <a:t>3. 2016 Shooter </a:t>
+            </a:r>
+            <a:r>
+              <a:rPr lang="ko-KR" altLang="en-US" dirty="0">
+                <a:solidFill>
+                  <a:schemeClr val="tx2"/>
+                </a:solidFill>
+              </a:rPr>
+              <a:t>게임</a:t>
+            </a:r>
+          </a:p>
+        </p:txBody>
+      </p:sp>
+      <p:pic>
+        <p:nvPicPr>
+          <p:cNvPr id="5" name="그림 4">
+            <a:extLst>
+              <a:ext uri="{FF2B5EF4-FFF2-40B4-BE49-F238E27FC236}">
+                <a16:creationId xmlns:a16="http://schemas.microsoft.com/office/drawing/2014/main" id="{3CEAA9B0-57A7-2B04-5E93-2280F1967CF4}"/>
+              </a:ext>
+            </a:extLst>
+          </p:cNvPr>
+          <p:cNvPicPr>
+            <a:picLocks noChangeAspect="1"/>
+          </p:cNvPicPr>
+          <p:nvPr/>
+        </p:nvPicPr>
+        <p:blipFill>
+          <a:blip r:embed="rId2"/>
+          <a:stretch>
+            <a:fillRect/>
+          </a:stretch>
+        </p:blipFill>
+        <p:spPr>
+          <a:xfrm>
+            <a:off x="1156910" y="2235819"/>
+            <a:ext cx="9853127" cy="1588063"/>
+          </a:xfrm>
+          <a:prstGeom prst="rect">
+            <a:avLst/>
+          </a:prstGeom>
+        </p:spPr>
+      </p:pic>
+      <p:sp>
+        <p:nvSpPr>
+          <p:cNvPr id="10" name="직사각형 9">
+            <a:extLst>
+              <a:ext uri="{FF2B5EF4-FFF2-40B4-BE49-F238E27FC236}">
+                <a16:creationId xmlns:a16="http://schemas.microsoft.com/office/drawing/2014/main" id="{EB22F472-0545-60D5-25B2-3FF38B4C7854}"/>
+              </a:ext>
+            </a:extLst>
+          </p:cNvPr>
+          <p:cNvSpPr/>
+          <p:nvPr/>
+        </p:nvSpPr>
+        <p:spPr>
+          <a:xfrm>
+            <a:off x="2323751" y="2235819"/>
+            <a:ext cx="872456" cy="1588063"/>
+          </a:xfrm>
+          <a:prstGeom prst="rect">
+            <a:avLst/>
+          </a:prstGeom>
+          <a:noFill/>
+          <a:ln>
+            <a:solidFill>
+              <a:schemeClr val="accent2"/>
+            </a:solidFill>
+          </a:ln>
+        </p:spPr>
+        <p:style>
+          <a:lnRef idx="2">
+            <a:schemeClr val="accent1">
+              <a:shade val="50000"/>
+            </a:schemeClr>
+          </a:lnRef>
+          <a:fillRef idx="1">
+            <a:schemeClr val="accent1"/>
+          </a:fillRef>
+          <a:effectRef idx="0">
+            <a:schemeClr val="accent1"/>
+          </a:effectRef>
+          <a:fontRef idx="minor">
+            <a:schemeClr val="lt1"/>
+          </a:fontRef>
+        </p:style>
+        <p:txBody>
+          <a:bodyPr rtlCol="0" anchor="ctr"/>
+          <a:lstStyle/>
+          <a:p>
+            <a:pPr algn="ctr"/>
+            <a:endParaRPr lang="ko-KR" altLang="en-US"/>
+          </a:p>
+        </p:txBody>
+      </p:sp>
+      <p:grpSp>
+        <p:nvGrpSpPr>
+          <p:cNvPr id="16" name="그룹 15">
+            <a:extLst>
+              <a:ext uri="{FF2B5EF4-FFF2-40B4-BE49-F238E27FC236}">
+                <a16:creationId xmlns:a16="http://schemas.microsoft.com/office/drawing/2014/main" id="{4E699D2C-1912-579B-EF43-29D2CCB06591}"/>
+              </a:ext>
+            </a:extLst>
+          </p:cNvPr>
+          <p:cNvGrpSpPr/>
+          <p:nvPr/>
+        </p:nvGrpSpPr>
+        <p:grpSpPr>
+          <a:xfrm>
+            <a:off x="1456846" y="4058741"/>
+            <a:ext cx="8046896" cy="1985055"/>
+            <a:chOff x="1768876" y="3969013"/>
+            <a:chExt cx="8851586" cy="2183561"/>
+          </a:xfrm>
+        </p:grpSpPr>
+        <p:grpSp>
+          <p:nvGrpSpPr>
+            <p:cNvPr id="9" name="그룹 8">
+              <a:extLst>
+                <a:ext uri="{FF2B5EF4-FFF2-40B4-BE49-F238E27FC236}">
+                  <a16:creationId xmlns:a16="http://schemas.microsoft.com/office/drawing/2014/main" id="{EFDC23CC-F8D2-AF92-7089-D3D9EA8EE506}"/>
+                </a:ext>
+              </a:extLst>
+            </p:cNvPr>
+            <p:cNvGrpSpPr/>
+            <p:nvPr/>
+          </p:nvGrpSpPr>
+          <p:grpSpPr>
+            <a:xfrm>
+              <a:off x="2030222" y="4108298"/>
+              <a:ext cx="8392903" cy="1929429"/>
+              <a:chOff x="2030222" y="3869535"/>
+              <a:chExt cx="8392903" cy="2122372"/>
+            </a:xfrm>
+          </p:grpSpPr>
+          <p:pic>
+            <p:nvPicPr>
+              <p:cNvPr id="1026" name="Picture 2" descr="Tom Clancy's The Division | Ubisoft (KR)">
+                <a:extLst>
+                  <a:ext uri="{FF2B5EF4-FFF2-40B4-BE49-F238E27FC236}">
+                    <a16:creationId xmlns:a16="http://schemas.microsoft.com/office/drawing/2014/main" id="{C574B7FA-5E4D-845A-A2D8-50C55BC7BB59}"/>
+                  </a:ext>
+                </a:extLst>
+              </p:cNvPr>
+              <p:cNvPicPr>
+                <a:picLocks noChangeAspect="1" noChangeArrowheads="1"/>
+              </p:cNvPicPr>
+              <p:nvPr/>
+            </p:nvPicPr>
+            <p:blipFill>
+              <a:blip r:embed="rId3">
+                <a:extLst>
+                  <a:ext uri="{28A0092B-C50C-407E-A947-70E740481C1C}">
+                    <a14:useLocalDpi xmlns:a14="http://schemas.microsoft.com/office/drawing/2010/main" val="0"/>
+                  </a:ext>
+                </a:extLst>
+              </a:blip>
+              <a:srcRect/>
+              <a:stretch>
+                <a:fillRect/>
+              </a:stretch>
+            </p:blipFill>
+            <p:spPr bwMode="auto">
+              <a:xfrm>
+                <a:off x="2030222" y="3875347"/>
+                <a:ext cx="1767509" cy="989805"/>
+              </a:xfrm>
+              <a:prstGeom prst="rect">
+                <a:avLst/>
+              </a:prstGeom>
+              <a:noFill/>
+              <a:ln>
+                <a:solidFill>
+                  <a:schemeClr val="accent2"/>
+                </a:solidFill>
+              </a:ln>
+              <a:extLst>
+                <a:ext uri="{909E8E84-426E-40DD-AFC4-6F175D3DCCD1}">
+                  <a14:hiddenFill xmlns:a14="http://schemas.microsoft.com/office/drawing/2010/main">
+                    <a:solidFill>
+                      <a:srgbClr val="FFFFFF"/>
+                    </a:solidFill>
+                  </a14:hiddenFill>
+                </a:ext>
+              </a:extLst>
+            </p:spPr>
+          </p:pic>
+          <p:pic>
+            <p:nvPicPr>
+              <p:cNvPr id="1028" name="Picture 4" descr="UNCHARTED 4: A Thief's End &amp; UNCHARTED: The Lost Legacy Digital Bundle">
+                <a:extLst>
+                  <a:ext uri="{FF2B5EF4-FFF2-40B4-BE49-F238E27FC236}">
+                    <a16:creationId xmlns:a16="http://schemas.microsoft.com/office/drawing/2014/main" id="{25CB2ED5-5228-C141-5A1F-20905EF51F7D}"/>
+                  </a:ext>
+                </a:extLst>
+              </p:cNvPr>
+              <p:cNvPicPr>
+                <a:picLocks noChangeAspect="1" noChangeArrowheads="1"/>
+              </p:cNvPicPr>
+              <p:nvPr/>
+            </p:nvPicPr>
+            <p:blipFill>
+              <a:blip r:embed="rId4">
+                <a:extLst>
+                  <a:ext uri="{28A0092B-C50C-407E-A947-70E740481C1C}">
+                    <a14:useLocalDpi xmlns:a14="http://schemas.microsoft.com/office/drawing/2010/main" val="0"/>
+                  </a:ext>
+                </a:extLst>
+              </a:blip>
+              <a:srcRect/>
+              <a:stretch>
+                <a:fillRect/>
+              </a:stretch>
+            </p:blipFill>
+            <p:spPr bwMode="auto">
+              <a:xfrm>
+                <a:off x="3891313" y="3875347"/>
+                <a:ext cx="989805" cy="989805"/>
+              </a:xfrm>
+              <a:prstGeom prst="rect">
+                <a:avLst/>
+              </a:prstGeom>
+              <a:noFill/>
+              <a:ln>
+                <a:solidFill>
+                  <a:schemeClr val="accent2"/>
+                </a:solidFill>
+              </a:ln>
+              <a:extLst>
+                <a:ext uri="{909E8E84-426E-40DD-AFC4-6F175D3DCCD1}">
+                  <a14:hiddenFill xmlns:a14="http://schemas.microsoft.com/office/drawing/2010/main">
+                    <a:solidFill>
+                      <a:srgbClr val="FFFFFF"/>
+                    </a:solidFill>
+                  </a14:hiddenFill>
+                </a:ext>
+              </a:extLst>
+            </p:spPr>
+          </p:pic>
+          <p:pic>
+            <p:nvPicPr>
+              <p:cNvPr id="1030" name="Picture 6" descr="Overwatch 2 going free-to-play was a necessity for success - Jaxon">
+                <a:extLst>
+                  <a:ext uri="{FF2B5EF4-FFF2-40B4-BE49-F238E27FC236}">
+                    <a16:creationId xmlns:a16="http://schemas.microsoft.com/office/drawing/2014/main" id="{9D428588-2BAD-6AFA-338C-1B39510D7636}"/>
+                  </a:ext>
+                </a:extLst>
+              </p:cNvPr>
+              <p:cNvPicPr>
+                <a:picLocks noChangeAspect="1" noChangeArrowheads="1"/>
+              </p:cNvPicPr>
+              <p:nvPr/>
+            </p:nvPicPr>
+            <p:blipFill>
+              <a:blip r:embed="rId5">
+                <a:extLst>
+                  <a:ext uri="{28A0092B-C50C-407E-A947-70E740481C1C}">
+                    <a14:useLocalDpi xmlns:a14="http://schemas.microsoft.com/office/drawing/2010/main" val="0"/>
+                  </a:ext>
+                </a:extLst>
+              </a:blip>
+              <a:srcRect/>
+              <a:stretch>
+                <a:fillRect/>
+              </a:stretch>
+            </p:blipFill>
+            <p:spPr bwMode="auto">
+              <a:xfrm>
+                <a:off x="4986452" y="3869535"/>
+                <a:ext cx="1767509" cy="989805"/>
+              </a:xfrm>
+              <a:prstGeom prst="rect">
+                <a:avLst/>
+              </a:prstGeom>
+              <a:noFill/>
+              <a:ln>
+                <a:solidFill>
+                  <a:schemeClr val="accent2"/>
+                </a:solidFill>
+              </a:ln>
+              <a:extLst>
+                <a:ext uri="{909E8E84-426E-40DD-AFC4-6F175D3DCCD1}">
+                  <a14:hiddenFill xmlns:a14="http://schemas.microsoft.com/office/drawing/2010/main">
+                    <a:solidFill>
+                      <a:srgbClr val="FFFFFF"/>
+                    </a:solidFill>
+                  </a14:hiddenFill>
+                </a:ext>
+              </a:extLst>
+            </p:spPr>
+          </p:pic>
+          <p:pic>
+            <p:nvPicPr>
+              <p:cNvPr id="1032" name="Picture 8" descr="Steam의 DOOM">
+                <a:extLst>
+                  <a:ext uri="{FF2B5EF4-FFF2-40B4-BE49-F238E27FC236}">
+                    <a16:creationId xmlns:a16="http://schemas.microsoft.com/office/drawing/2014/main" id="{3E869D8E-9FF7-6D1A-647A-6E346661172D}"/>
+                  </a:ext>
+                </a:extLst>
+              </p:cNvPr>
+              <p:cNvPicPr>
+                <a:picLocks noChangeAspect="1" noChangeArrowheads="1"/>
+              </p:cNvPicPr>
+              <p:nvPr/>
+            </p:nvPicPr>
+            <p:blipFill>
+              <a:blip r:embed="rId6">
+                <a:extLst>
+                  <a:ext uri="{28A0092B-C50C-407E-A947-70E740481C1C}">
+                    <a14:useLocalDpi xmlns:a14="http://schemas.microsoft.com/office/drawing/2010/main" val="0"/>
+                  </a:ext>
+                </a:extLst>
+              </a:blip>
+              <a:srcRect/>
+              <a:stretch>
+                <a:fillRect/>
+              </a:stretch>
+            </p:blipFill>
+            <p:spPr bwMode="auto">
+              <a:xfrm>
+                <a:off x="6859295" y="3869535"/>
+                <a:ext cx="1729248" cy="989805"/>
+              </a:xfrm>
+              <a:prstGeom prst="rect">
+                <a:avLst/>
+              </a:prstGeom>
+              <a:noFill/>
+              <a:ln>
+                <a:solidFill>
+                  <a:schemeClr val="accent2"/>
+                </a:solidFill>
+              </a:ln>
+              <a:extLst>
+                <a:ext uri="{909E8E84-426E-40DD-AFC4-6F175D3DCCD1}">
+                  <a14:hiddenFill xmlns:a14="http://schemas.microsoft.com/office/drawing/2010/main">
+                    <a:solidFill>
+                      <a:srgbClr val="FFFFFF"/>
+                    </a:solidFill>
+                  </a14:hiddenFill>
+                </a:ext>
+              </a:extLst>
+            </p:spPr>
+          </p:pic>
+          <p:pic>
+            <p:nvPicPr>
+              <p:cNvPr id="1034" name="Picture 10" descr="Steam의 Plants vs. Zombies™ Garden Warfare 2: Deluxe Edition">
+                <a:extLst>
+                  <a:ext uri="{FF2B5EF4-FFF2-40B4-BE49-F238E27FC236}">
+                    <a16:creationId xmlns:a16="http://schemas.microsoft.com/office/drawing/2014/main" id="{941C4B97-5639-64F0-2064-5ACB9FC6B74C}"/>
+                  </a:ext>
+                </a:extLst>
+              </p:cNvPr>
+              <p:cNvPicPr>
+                <a:picLocks noChangeAspect="1" noChangeArrowheads="1"/>
+              </p:cNvPicPr>
+              <p:nvPr/>
+            </p:nvPicPr>
+            <p:blipFill>
+              <a:blip r:embed="rId7">
+                <a:extLst>
+                  <a:ext uri="{28A0092B-C50C-407E-A947-70E740481C1C}">
+                    <a14:useLocalDpi xmlns:a14="http://schemas.microsoft.com/office/drawing/2010/main" val="0"/>
+                  </a:ext>
+                </a:extLst>
+              </a:blip>
+              <a:srcRect/>
+              <a:stretch>
+                <a:fillRect/>
+              </a:stretch>
+            </p:blipFill>
+            <p:spPr bwMode="auto">
+              <a:xfrm>
+                <a:off x="8693877" y="3875347"/>
+                <a:ext cx="1729248" cy="989805"/>
+              </a:xfrm>
+              <a:prstGeom prst="rect">
+                <a:avLst/>
+              </a:prstGeom>
+              <a:noFill/>
+              <a:ln>
+                <a:solidFill>
+                  <a:schemeClr val="accent2"/>
+                </a:solidFill>
+              </a:ln>
+              <a:extLst>
+                <a:ext uri="{909E8E84-426E-40DD-AFC4-6F175D3DCCD1}">
+                  <a14:hiddenFill xmlns:a14="http://schemas.microsoft.com/office/drawing/2010/main">
+                    <a:solidFill>
+                      <a:srgbClr val="FFFFFF"/>
+                    </a:solidFill>
+                  </a14:hiddenFill>
+                </a:ext>
+              </a:extLst>
+            </p:spPr>
+          </p:pic>
+          <p:pic>
+            <p:nvPicPr>
+              <p:cNvPr id="1036" name="Picture 12" descr="Save 80% on Homefront®: The Revolution on Steam">
+                <a:extLst>
+                  <a:ext uri="{FF2B5EF4-FFF2-40B4-BE49-F238E27FC236}">
+                    <a16:creationId xmlns:a16="http://schemas.microsoft.com/office/drawing/2014/main" id="{709FC6A0-679B-3C84-971F-7BB3973390BF}"/>
+                  </a:ext>
+                </a:extLst>
+              </p:cNvPr>
+              <p:cNvPicPr>
+                <a:picLocks noChangeAspect="1" noChangeArrowheads="1"/>
+              </p:cNvPicPr>
+              <p:nvPr/>
+            </p:nvPicPr>
+            <p:blipFill>
+              <a:blip r:embed="rId8">
+                <a:extLst>
+                  <a:ext uri="{28A0092B-C50C-407E-A947-70E740481C1C}">
+                    <a14:useLocalDpi xmlns:a14="http://schemas.microsoft.com/office/drawing/2010/main" val="0"/>
+                  </a:ext>
+                </a:extLst>
+              </a:blip>
+              <a:srcRect/>
+              <a:stretch>
+                <a:fillRect/>
+              </a:stretch>
+            </p:blipFill>
+            <p:spPr bwMode="auto">
+              <a:xfrm>
+                <a:off x="2263490" y="4945003"/>
+                <a:ext cx="1767508" cy="1011705"/>
+              </a:xfrm>
+              <a:prstGeom prst="rect">
+                <a:avLst/>
+              </a:prstGeom>
+              <a:noFill/>
+              <a:ln>
+                <a:solidFill>
+                  <a:schemeClr val="accent2"/>
+                </a:solidFill>
+              </a:ln>
+              <a:extLst>
+                <a:ext uri="{909E8E84-426E-40DD-AFC4-6F175D3DCCD1}">
+                  <a14:hiddenFill xmlns:a14="http://schemas.microsoft.com/office/drawing/2010/main">
+                    <a:solidFill>
+                      <a:srgbClr val="FFFFFF"/>
+                    </a:solidFill>
+                  </a14:hiddenFill>
+                </a:ext>
+              </a:extLst>
+            </p:spPr>
+          </p:pic>
+          <p:pic>
+            <p:nvPicPr>
+              <p:cNvPr id="1038" name="Picture 14" descr="Get the 'BioShock: The Collection' for free on PC • AIPT">
+                <a:extLst>
+                  <a:ext uri="{FF2B5EF4-FFF2-40B4-BE49-F238E27FC236}">
+                    <a16:creationId xmlns:a16="http://schemas.microsoft.com/office/drawing/2014/main" id="{24797C50-F8B7-3106-776D-60BB7A56C609}"/>
+                  </a:ext>
+                </a:extLst>
+              </p:cNvPr>
+              <p:cNvPicPr>
+                <a:picLocks noChangeAspect="1" noChangeArrowheads="1"/>
+              </p:cNvPicPr>
+              <p:nvPr/>
+            </p:nvPicPr>
+            <p:blipFill>
+              <a:blip r:embed="rId9">
+                <a:extLst>
+                  <a:ext uri="{28A0092B-C50C-407E-A947-70E740481C1C}">
+                    <a14:useLocalDpi xmlns:a14="http://schemas.microsoft.com/office/drawing/2010/main" val="0"/>
+                  </a:ext>
+                </a:extLst>
+              </a:blip>
+              <a:srcRect/>
+              <a:stretch>
+                <a:fillRect/>
+              </a:stretch>
+            </p:blipFill>
+            <p:spPr bwMode="auto">
+              <a:xfrm>
+                <a:off x="4129728" y="4964053"/>
+                <a:ext cx="1806616" cy="1011705"/>
+              </a:xfrm>
+              <a:prstGeom prst="rect">
+                <a:avLst/>
+              </a:prstGeom>
+              <a:noFill/>
+              <a:ln>
+                <a:solidFill>
+                  <a:schemeClr val="accent2"/>
+                </a:solidFill>
+              </a:ln>
+              <a:extLst>
+                <a:ext uri="{909E8E84-426E-40DD-AFC4-6F175D3DCCD1}">
+                  <a14:hiddenFill xmlns:a14="http://schemas.microsoft.com/office/drawing/2010/main">
+                    <a:solidFill>
+                      <a:srgbClr val="FFFFFF"/>
+                    </a:solidFill>
+                  </a14:hiddenFill>
+                </a:ext>
+              </a:extLst>
+            </p:spPr>
+          </p:pic>
+          <p:pic>
+            <p:nvPicPr>
+              <p:cNvPr id="1040" name="Picture 16" descr="Star Fox Zero | Wii U games | Games | Nintendo">
+                <a:extLst>
+                  <a:ext uri="{FF2B5EF4-FFF2-40B4-BE49-F238E27FC236}">
+                    <a16:creationId xmlns:a16="http://schemas.microsoft.com/office/drawing/2014/main" id="{6CA323FC-B1EF-86F6-33F9-0D052D542E90}"/>
+                  </a:ext>
+                </a:extLst>
+              </p:cNvPr>
+              <p:cNvPicPr>
+                <a:picLocks noChangeAspect="1" noChangeArrowheads="1"/>
+              </p:cNvPicPr>
+              <p:nvPr/>
+            </p:nvPicPr>
+            <p:blipFill>
+              <a:blip r:embed="rId10">
+                <a:extLst>
+                  <a:ext uri="{28A0092B-C50C-407E-A947-70E740481C1C}">
+                    <a14:useLocalDpi xmlns:a14="http://schemas.microsoft.com/office/drawing/2010/main" val="0"/>
+                  </a:ext>
+                </a:extLst>
+              </a:blip>
+              <a:srcRect/>
+              <a:stretch>
+                <a:fillRect/>
+              </a:stretch>
+            </p:blipFill>
+            <p:spPr bwMode="auto">
+              <a:xfrm>
+                <a:off x="6026698" y="4964053"/>
+                <a:ext cx="2023410" cy="1011705"/>
+              </a:xfrm>
+              <a:prstGeom prst="rect">
+                <a:avLst/>
+              </a:prstGeom>
+              <a:noFill/>
+              <a:ln>
+                <a:solidFill>
+                  <a:schemeClr val="accent2"/>
+                </a:solidFill>
+              </a:ln>
+              <a:extLst>
+                <a:ext uri="{909E8E84-426E-40DD-AFC4-6F175D3DCCD1}">
+                  <a14:hiddenFill xmlns:a14="http://schemas.microsoft.com/office/drawing/2010/main">
+                    <a:solidFill>
+                      <a:srgbClr val="FFFFFF"/>
+                    </a:solidFill>
+                  </a14:hiddenFill>
+                </a:ext>
+              </a:extLst>
+            </p:spPr>
+          </p:pic>
+          <p:pic>
+            <p:nvPicPr>
+              <p:cNvPr id="1042" name="Picture 18" descr="Steam의 Battleborn">
+                <a:extLst>
+                  <a:ext uri="{FF2B5EF4-FFF2-40B4-BE49-F238E27FC236}">
+                    <a16:creationId xmlns:a16="http://schemas.microsoft.com/office/drawing/2014/main" id="{953448F9-60F1-6A5B-4C84-133EE1682877}"/>
+                  </a:ext>
+                </a:extLst>
+              </p:cNvPr>
+              <p:cNvPicPr>
+                <a:picLocks noChangeAspect="1" noChangeArrowheads="1"/>
+              </p:cNvPicPr>
+              <p:nvPr/>
+            </p:nvPicPr>
+            <p:blipFill>
+              <a:blip r:embed="rId11">
+                <a:extLst>
+                  <a:ext uri="{28A0092B-C50C-407E-A947-70E740481C1C}">
+                    <a14:useLocalDpi xmlns:a14="http://schemas.microsoft.com/office/drawing/2010/main" val="0"/>
+                  </a:ext>
+                </a:extLst>
+              </a:blip>
+              <a:srcRect/>
+              <a:stretch>
+                <a:fillRect/>
+              </a:stretch>
+            </p:blipFill>
+            <p:spPr bwMode="auto">
+              <a:xfrm>
+                <a:off x="8140463" y="4964053"/>
+                <a:ext cx="1795722" cy="1027854"/>
+              </a:xfrm>
+              <a:prstGeom prst="rect">
+                <a:avLst/>
+              </a:prstGeom>
+              <a:noFill/>
+              <a:ln>
+                <a:solidFill>
+                  <a:schemeClr val="accent2"/>
+                </a:solidFill>
+              </a:ln>
+              <a:extLst>
+                <a:ext uri="{909E8E84-426E-40DD-AFC4-6F175D3DCCD1}">
+                  <a14:hiddenFill xmlns:a14="http://schemas.microsoft.com/office/drawing/2010/main">
+                    <a:solidFill>
+                      <a:srgbClr val="FFFFFF"/>
+                    </a:solidFill>
+                  </a14:hiddenFill>
+                </a:ext>
+              </a:extLst>
+            </p:spPr>
+          </p:pic>
+        </p:grpSp>
+        <p:sp>
+          <p:nvSpPr>
+            <p:cNvPr id="11" name="직사각형 10">
+              <a:extLst>
+                <a:ext uri="{FF2B5EF4-FFF2-40B4-BE49-F238E27FC236}">
+                  <a16:creationId xmlns:a16="http://schemas.microsoft.com/office/drawing/2014/main" id="{8D1D55CB-450A-5EB2-F4BA-D8A8F78C46A4}"/>
+                </a:ext>
+              </a:extLst>
+            </p:cNvPr>
+            <p:cNvSpPr/>
+            <p:nvPr/>
+          </p:nvSpPr>
+          <p:spPr>
+            <a:xfrm>
+              <a:off x="1768876" y="3969013"/>
+              <a:ext cx="8851586" cy="2183561"/>
+            </a:xfrm>
+            <a:prstGeom prst="rect">
+              <a:avLst/>
+            </a:prstGeom>
+            <a:noFill/>
+            <a:ln>
+              <a:solidFill>
+                <a:schemeClr val="accent2"/>
+              </a:solidFill>
+            </a:ln>
+          </p:spPr>
+          <p:style>
+            <a:lnRef idx="2">
+              <a:schemeClr val="accent1">
+                <a:shade val="50000"/>
+              </a:schemeClr>
+            </a:lnRef>
+            <a:fillRef idx="1">
+              <a:schemeClr val="accent1"/>
+            </a:fillRef>
+            <a:effectRef idx="0">
+              <a:schemeClr val="accent1"/>
+            </a:effectRef>
+            <a:fontRef idx="minor">
+              <a:schemeClr val="lt1"/>
+            </a:fontRef>
+          </p:style>
+          <p:txBody>
+            <a:bodyPr rtlCol="0" anchor="ctr"/>
+            <a:lstStyle/>
+            <a:p>
+              <a:pPr algn="ctr"/>
+              <a:endParaRPr lang="ko-KR" altLang="en-US"/>
+            </a:p>
+          </p:txBody>
+        </p:sp>
+      </p:grpSp>
+      <p:sp>
+        <p:nvSpPr>
+          <p:cNvPr id="12" name="화살표: 아래쪽 11">
+            <a:extLst>
+              <a:ext uri="{FF2B5EF4-FFF2-40B4-BE49-F238E27FC236}">
+                <a16:creationId xmlns:a16="http://schemas.microsoft.com/office/drawing/2014/main" id="{07AEB355-7459-7AB9-E656-5F45BFB3224B}"/>
+              </a:ext>
+            </a:extLst>
+          </p:cNvPr>
+          <p:cNvSpPr/>
+          <p:nvPr/>
+        </p:nvSpPr>
+        <p:spPr>
+          <a:xfrm>
+            <a:off x="2567031" y="3823882"/>
+            <a:ext cx="335561" cy="217108"/>
+          </a:xfrm>
+          <a:prstGeom prst="downArrow">
+            <a:avLst/>
+          </a:prstGeom>
+          <a:solidFill>
+            <a:schemeClr val="accent2"/>
+          </a:solidFill>
+          <a:ln>
+            <a:solidFill>
+              <a:schemeClr val="accent2"/>
+            </a:solidFill>
+          </a:ln>
+        </p:spPr>
+        <p:style>
+          <a:lnRef idx="2">
+            <a:schemeClr val="accent1">
+              <a:shade val="50000"/>
+            </a:schemeClr>
+          </a:lnRef>
+          <a:fillRef idx="1">
+            <a:schemeClr val="accent1"/>
+          </a:fillRef>
+          <a:effectRef idx="0">
+            <a:schemeClr val="accent1"/>
+          </a:effectRef>
+          <a:fontRef idx="minor">
+            <a:schemeClr val="lt1"/>
+          </a:fontRef>
+        </p:style>
+        <p:txBody>
+          <a:bodyPr rtlCol="0" anchor="ctr"/>
+          <a:lstStyle/>
+          <a:p>
+            <a:pPr algn="ctr"/>
+            <a:endParaRPr lang="ko-KR" altLang="en-US"/>
+          </a:p>
+        </p:txBody>
+      </p:sp>
+      <p:sp>
+        <p:nvSpPr>
+          <p:cNvPr id="14" name="TextBox 13">
+            <a:extLst>
+              <a:ext uri="{FF2B5EF4-FFF2-40B4-BE49-F238E27FC236}">
+                <a16:creationId xmlns:a16="http://schemas.microsoft.com/office/drawing/2014/main" id="{CB0C3CB0-B98A-4434-510B-0DA0772DE3D9}"/>
+              </a:ext>
+            </a:extLst>
+          </p:cNvPr>
+          <p:cNvSpPr txBox="1"/>
+          <p:nvPr/>
+        </p:nvSpPr>
+        <p:spPr>
+          <a:xfrm>
+            <a:off x="3206466" y="1841178"/>
+            <a:ext cx="6118509" cy="461665"/>
+          </a:xfrm>
+          <a:prstGeom prst="rect">
+            <a:avLst/>
+          </a:prstGeom>
+          <a:noFill/>
+        </p:spPr>
+        <p:txBody>
+          <a:bodyPr wrap="square" rtlCol="0">
+            <a:spAutoFit/>
+          </a:bodyPr>
+          <a:lstStyle/>
+          <a:p>
+            <a:r>
+              <a:rPr lang="en-US" altLang="ko-KR" sz="2400" dirty="0">
+                <a:solidFill>
+                  <a:schemeClr val="tx2"/>
+                </a:solidFill>
+              </a:rPr>
+              <a:t>&lt;2016</a:t>
+            </a:r>
+            <a:r>
+              <a:rPr lang="ko-KR" altLang="en-US" sz="2400" dirty="0">
+                <a:solidFill>
+                  <a:schemeClr val="tx2"/>
+                </a:solidFill>
+              </a:rPr>
+              <a:t>년 북미</a:t>
+            </a:r>
+            <a:r>
+              <a:rPr lang="en-US" altLang="ko-KR" sz="2400" dirty="0">
+                <a:solidFill>
+                  <a:schemeClr val="tx2"/>
+                </a:solidFill>
+              </a:rPr>
+              <a:t>, </a:t>
+            </a:r>
+            <a:r>
+              <a:rPr lang="ko-KR" altLang="en-US" sz="2400" dirty="0">
+                <a:solidFill>
+                  <a:schemeClr val="tx2"/>
+                </a:solidFill>
+              </a:rPr>
+              <a:t>유럽</a:t>
+            </a:r>
+            <a:r>
+              <a:rPr lang="en-US" altLang="ko-KR" sz="2400" dirty="0">
+                <a:solidFill>
+                  <a:schemeClr val="tx2"/>
+                </a:solidFill>
+              </a:rPr>
+              <a:t>, </a:t>
+            </a:r>
+            <a:r>
+              <a:rPr lang="ko-KR" altLang="en-US" sz="2400" dirty="0">
+                <a:solidFill>
+                  <a:schemeClr val="tx2"/>
+                </a:solidFill>
+              </a:rPr>
+              <a:t>기타지역 게임 출고량</a:t>
+            </a:r>
+            <a:r>
+              <a:rPr lang="en-US" altLang="ko-KR" sz="2400" dirty="0">
+                <a:solidFill>
+                  <a:schemeClr val="tx2"/>
+                </a:solidFill>
+              </a:rPr>
+              <a:t>&gt;</a:t>
+            </a:r>
+            <a:endParaRPr lang="ko-KR" altLang="en-US" sz="2400" dirty="0">
+              <a:solidFill>
+                <a:schemeClr val="tx2"/>
+              </a:solidFill>
+            </a:endParaRPr>
+          </a:p>
+        </p:txBody>
+      </p:sp>
+      <p:sp>
+        <p:nvSpPr>
+          <p:cNvPr id="15" name="TextBox 14">
+            <a:extLst>
+              <a:ext uri="{FF2B5EF4-FFF2-40B4-BE49-F238E27FC236}">
+                <a16:creationId xmlns:a16="http://schemas.microsoft.com/office/drawing/2014/main" id="{DB9A60C0-8000-FE85-0CC5-FEC330A2A646}"/>
+              </a:ext>
+            </a:extLst>
+          </p:cNvPr>
+          <p:cNvSpPr txBox="1"/>
+          <p:nvPr/>
+        </p:nvSpPr>
+        <p:spPr>
+          <a:xfrm>
+            <a:off x="9610766" y="4818718"/>
+            <a:ext cx="1606825" cy="369332"/>
+          </a:xfrm>
+          <a:prstGeom prst="rect">
+            <a:avLst/>
+          </a:prstGeom>
+          <a:noFill/>
+        </p:spPr>
+        <p:txBody>
+          <a:bodyPr wrap="square" rtlCol="0">
+            <a:spAutoFit/>
+          </a:bodyPr>
+          <a:lstStyle/>
+          <a:p>
+            <a:pPr latinLnBrk="0"/>
+            <a:r>
+              <a:rPr lang="en-US" altLang="ko-KR" dirty="0">
+                <a:solidFill>
+                  <a:schemeClr val="tx2"/>
+                </a:solidFill>
+              </a:rPr>
+              <a:t>9</a:t>
+            </a:r>
+            <a:r>
+              <a:rPr lang="ko-KR" altLang="en-US" dirty="0">
+                <a:solidFill>
+                  <a:schemeClr val="tx2"/>
+                </a:solidFill>
+              </a:rPr>
+              <a:t>개 게임 출시</a:t>
+            </a:r>
+          </a:p>
+        </p:txBody>
+      </p:sp>
+    </p:spTree>
+    <p:extLst>
+      <p:ext uri="{BB962C8B-B14F-4D97-AF65-F5344CB8AC3E}">
+        <p14:creationId xmlns:p14="http://schemas.microsoft.com/office/powerpoint/2010/main" val="825590963"/>
       </p:ext>
     </p:extLst>
   </p:cSld>
